--- a/Power Diary Solution.pptx
+++ b/Power Diary Solution.pptx
@@ -5,11 +5,12 @@
     <p:sldMasterId id="2147483672" r:id="rId1"/>
   </p:sldMasterIdLst>
   <p:notesMasterIdLst>
-    <p:notesMasterId r:id="rId4"/>
+    <p:notesMasterId r:id="rId5"/>
   </p:notesMasterIdLst>
   <p:sldIdLst>
     <p:sldId id="257" r:id="rId2"/>
     <p:sldId id="264" r:id="rId3"/>
+    <p:sldId id="265" r:id="rId4"/>
   </p:sldIdLst>
   <p:sldSz cx="9144000" cy="6858000" type="screen4x3"/>
   <p:notesSz cx="6858000" cy="9144000"/>
@@ -4327,6 +4328,106 @@
     <p:extLst>
       <p:ext uri="{BB962C8B-B14F-4D97-AF65-F5344CB8AC3E}">
         <p14:creationId xmlns:p14="http://schemas.microsoft.com/office/powerpoint/2010/main" val="3322309045"/>
+      </p:ext>
+    </p:extLst>
+  </p:cSld>
+  <p:clrMapOvr>
+    <a:masterClrMapping/>
+  </p:clrMapOvr>
+</p:sld>
+</file>
+
+<file path=ppt/slides/slide3.xml><?xml version="1.0" encoding="utf-8"?>
+<p:sld xmlns:a="http://schemas.openxmlformats.org/drawingml/2006/main" xmlns:r="http://schemas.openxmlformats.org/officeDocument/2006/relationships" xmlns:p="http://schemas.openxmlformats.org/presentationml/2006/main">
+  <p:cSld>
+    <p:spTree>
+      <p:nvGrpSpPr>
+        <p:cNvPr id="1" name=""/>
+        <p:cNvGrpSpPr/>
+        <p:nvPr/>
+      </p:nvGrpSpPr>
+      <p:grpSpPr>
+        <a:xfrm>
+          <a:off x="0" y="0"/>
+          <a:ext cx="0" cy="0"/>
+          <a:chOff x="0" y="0"/>
+          <a:chExt cx="0" cy="0"/>
+        </a:xfrm>
+      </p:grpSpPr>
+      <p:pic>
+        <p:nvPicPr>
+          <p:cNvPr id="2" name="Picture 1">
+            <a:extLst>
+              <a:ext uri="{FF2B5EF4-FFF2-40B4-BE49-F238E27FC236}">
+                <a16:creationId xmlns:a16="http://schemas.microsoft.com/office/drawing/2014/main" id="{76967C82-8BFE-425B-8DAC-B3E14F492964}"/>
+              </a:ext>
+            </a:extLst>
+          </p:cNvPr>
+          <p:cNvPicPr>
+            <a:picLocks noChangeAspect="1"/>
+          </p:cNvPicPr>
+          <p:nvPr/>
+        </p:nvPicPr>
+        <p:blipFill>
+          <a:blip r:embed="rId2"/>
+          <a:stretch>
+            <a:fillRect/>
+          </a:stretch>
+        </p:blipFill>
+        <p:spPr>
+          <a:xfrm>
+            <a:off x="107504" y="836712"/>
+            <a:ext cx="9144000" cy="785174"/>
+          </a:xfrm>
+          <a:prstGeom prst="rect">
+            <a:avLst/>
+          </a:prstGeom>
+        </p:spPr>
+      </p:pic>
+      <p:sp>
+        <p:nvSpPr>
+          <p:cNvPr id="3" name="TextBox 2">
+            <a:extLst>
+              <a:ext uri="{FF2B5EF4-FFF2-40B4-BE49-F238E27FC236}">
+                <a16:creationId xmlns:a16="http://schemas.microsoft.com/office/drawing/2014/main" id="{3F437734-F751-4548-A527-6A5D193451AB}"/>
+              </a:ext>
+            </a:extLst>
+          </p:cNvPr>
+          <p:cNvSpPr txBox="1"/>
+          <p:nvPr/>
+        </p:nvSpPr>
+        <p:spPr>
+          <a:xfrm>
+            <a:off x="611560" y="2276872"/>
+            <a:ext cx="8424936" cy="369332"/>
+          </a:xfrm>
+          <a:prstGeom prst="rect">
+            <a:avLst/>
+          </a:prstGeom>
+          <a:noFill/>
+        </p:spPr>
+        <p:txBody>
+          <a:bodyPr wrap="square" rtlCol="0">
+            <a:spAutoFit/>
+          </a:bodyPr>
+          <a:lstStyle/>
+          <a:p>
+            <a:r>
+              <a:rPr lang="en-AU" dirty="0"/>
+              <a:t>The connection string needs to </a:t>
+            </a:r>
+            <a:r>
+              <a:rPr lang="en-AU"/>
+              <a:t>be updated</a:t>
+            </a:r>
+            <a:endParaRPr lang="en-AU" dirty="0"/>
+          </a:p>
+        </p:txBody>
+      </p:sp>
+    </p:spTree>
+    <p:extLst>
+      <p:ext uri="{BB962C8B-B14F-4D97-AF65-F5344CB8AC3E}">
+        <p14:creationId xmlns:p14="http://schemas.microsoft.com/office/powerpoint/2010/main" val="2633115763"/>
       </p:ext>
     </p:extLst>
   </p:cSld>

--- a/Power Diary Solution.pptx
+++ b/Power Diary Solution.pptx
@@ -4398,7 +4398,7 @@
         </p:nvSpPr>
         <p:spPr>
           <a:xfrm>
-            <a:off x="611560" y="2276872"/>
+            <a:off x="539552" y="2276872"/>
             <a:ext cx="8424936" cy="369332"/>
           </a:xfrm>
           <a:prstGeom prst="rect">
@@ -4414,16 +4414,47 @@
           <a:p>
             <a:r>
               <a:rPr lang="en-AU" dirty="0"/>
-              <a:t>The connection string needs to </a:t>
-            </a:r>
-            <a:r>
-              <a:rPr lang="en-AU"/>
-              <a:t>be updated</a:t>
-            </a:r>
-            <a:endParaRPr lang="en-AU" dirty="0"/>
-          </a:p>
-        </p:txBody>
-      </p:sp>
+              <a:t>The connection string needs to be updated based on the target machine.</a:t>
+            </a:r>
+          </a:p>
+        </p:txBody>
+      </p:sp>
+      <p:cxnSp>
+        <p:nvCxnSpPr>
+          <p:cNvPr id="5" name="Straight Connector 4">
+            <a:extLst>
+              <a:ext uri="{FF2B5EF4-FFF2-40B4-BE49-F238E27FC236}">
+                <a16:creationId xmlns:a16="http://schemas.microsoft.com/office/drawing/2014/main" id="{6CD08ECF-500F-4048-8EBB-A4FF4A235DE1}"/>
+              </a:ext>
+            </a:extLst>
+          </p:cNvPr>
+          <p:cNvCxnSpPr/>
+          <p:nvPr/>
+        </p:nvCxnSpPr>
+        <p:spPr>
+          <a:xfrm>
+            <a:off x="5220072" y="1268760"/>
+            <a:ext cx="1872208" cy="0"/>
+          </a:xfrm>
+          <a:prstGeom prst="line">
+            <a:avLst/>
+          </a:prstGeom>
+        </p:spPr>
+        <p:style>
+          <a:lnRef idx="1">
+            <a:schemeClr val="accent1"/>
+          </a:lnRef>
+          <a:fillRef idx="0">
+            <a:schemeClr val="accent1"/>
+          </a:fillRef>
+          <a:effectRef idx="0">
+            <a:schemeClr val="accent1"/>
+          </a:effectRef>
+          <a:fontRef idx="minor">
+            <a:schemeClr val="tx1"/>
+          </a:fontRef>
+        </p:style>
+      </p:cxnSp>
     </p:spTree>
     <p:extLst>
       <p:ext uri="{BB962C8B-B14F-4D97-AF65-F5344CB8AC3E}">
